--- a/Proposal/slides_rvaldes.pptx
+++ b/Proposal/slides_rvaldes.pptx
@@ -3240,43 +3240,6 @@
         </a:p>
       </dgm:t>
     </dgm:pt>
-    <dgm:pt modelId="{961FBA8A-F9A7-404F-BC64-09C4736222B5}">
-      <dgm:prSet phldrT="[Text]"/>
-      <dgm:spPr/>
-      <dgm:t>
-        <a:bodyPr/>
-        <a:lstStyle/>
-        <a:p>
-          <a:r>
-            <a:rPr lang="en-US" dirty="0" smtClean="0"/>
-            <a:t>Instagram</a:t>
-          </a:r>
-          <a:endParaRPr lang="en-US" dirty="0"/>
-        </a:p>
-      </dgm:t>
-    </dgm:pt>
-    <dgm:pt modelId="{708D4071-A965-FA4B-8018-E166DB0D11A7}" type="parTrans" cxnId="{5D0F3A19-BE5C-2B46-BB28-A91F5C25E2DA}">
-      <dgm:prSet/>
-      <dgm:spPr/>
-      <dgm:t>
-        <a:bodyPr/>
-        <a:lstStyle/>
-        <a:p>
-          <a:endParaRPr lang="en-US"/>
-        </a:p>
-      </dgm:t>
-    </dgm:pt>
-    <dgm:pt modelId="{90E48166-CDA5-D34B-AD53-47CD2E086E56}" type="sibTrans" cxnId="{5D0F3A19-BE5C-2B46-BB28-A91F5C25E2DA}">
-      <dgm:prSet/>
-      <dgm:spPr/>
-      <dgm:t>
-        <a:bodyPr/>
-        <a:lstStyle/>
-        <a:p>
-          <a:endParaRPr lang="en-US"/>
-        </a:p>
-      </dgm:t>
-    </dgm:pt>
     <dgm:pt modelId="{8A78E595-CDFB-3341-A222-8B369B1554AE}">
       <dgm:prSet phldrT="[Text]"/>
       <dgm:spPr/>
@@ -3389,6 +3352,13 @@
         </dgm:presLayoutVars>
       </dgm:prSet>
       <dgm:spPr/>
+      <dgm:t>
+        <a:bodyPr/>
+        <a:lstStyle/>
+        <a:p>
+          <a:endParaRPr lang="en-US"/>
+        </a:p>
+      </dgm:t>
     </dgm:pt>
     <dgm:pt modelId="{7C63DB8B-0057-1B4C-8297-D27E504FC7DF}" type="pres">
       <dgm:prSet presAssocID="{505EBA72-5D61-8746-BFA0-FD505141BE82}" presName="space" presStyleCnt="0"/>
@@ -3467,17 +3437,15 @@
   <dgm:cxnLst>
     <dgm:cxn modelId="{CA096AC9-D51C-2646-9D0A-9BAB39D04038}" srcId="{042B0C7C-AA24-A749-A601-583C4D1D3EA6}" destId="{DAC3D9A4-05B7-1A47-BF40-ED855C2E640E}" srcOrd="0" destOrd="0" parTransId="{EFB081F7-5546-084F-9F8F-637B8E7017B3}" sibTransId="{505EBA72-5D61-8746-BFA0-FD505141BE82}"/>
     <dgm:cxn modelId="{2EAE074A-B7AE-CB43-83D4-B569D6FE4ABC}" srcId="{042B0C7C-AA24-A749-A601-583C4D1D3EA6}" destId="{DA5571A6-88A4-8A4A-B399-CF84E1E708A2}" srcOrd="2" destOrd="0" parTransId="{FBE6FEDA-9EE7-594E-B65D-D0E381FA463D}" sibTransId="{4F5CB2EC-FE18-0A4A-BCF8-AF573FBA9761}"/>
-    <dgm:cxn modelId="{54EC5068-B5B8-5843-9D9D-F10F10AE589A}" srcId="{DAC3D9A4-05B7-1A47-BF40-ED855C2E640E}" destId="{8A78E595-CDFB-3341-A222-8B369B1554AE}" srcOrd="2" destOrd="0" parTransId="{9923F0EF-752B-1042-BF93-281670DC9C17}" sibTransId="{31BC908F-D2D5-1E49-B725-2129FB6DA1DF}"/>
+    <dgm:cxn modelId="{54EC5068-B5B8-5843-9D9D-F10F10AE589A}" srcId="{DAC3D9A4-05B7-1A47-BF40-ED855C2E640E}" destId="{8A78E595-CDFB-3341-A222-8B369B1554AE}" srcOrd="1" destOrd="0" parTransId="{9923F0EF-752B-1042-BF93-281670DC9C17}" sibTransId="{31BC908F-D2D5-1E49-B725-2129FB6DA1DF}"/>
     <dgm:cxn modelId="{7B585446-3E4A-0D46-B33D-99CC1F6A17E1}" type="presOf" srcId="{9E14F966-13D9-C243-BC02-B7E830B4E122}" destId="{3C099A4E-720E-FF4D-A1A9-F98A0077FD0D}" srcOrd="0" destOrd="0" presId="urn:microsoft.com/office/officeart/2005/8/layout/chevron1"/>
     <dgm:cxn modelId="{959D7FAF-5D9C-094B-B680-1AFDB591C037}" srcId="{042B0C7C-AA24-A749-A601-583C4D1D3EA6}" destId="{9E14F966-13D9-C243-BC02-B7E830B4E122}" srcOrd="1" destOrd="0" parTransId="{AA84CDA3-E6A9-EF47-862F-4F660DA9FB57}" sibTransId="{13D061A2-5706-E64D-A98C-D7471A4BE541}"/>
-    <dgm:cxn modelId="{3B075D2A-12F9-D942-BECD-A3B37F06ABD4}" type="presOf" srcId="{8A78E595-CDFB-3341-A222-8B369B1554AE}" destId="{322144B1-8D2F-5B45-8752-58DB94EF7F50}" srcOrd="0" destOrd="2" presId="urn:microsoft.com/office/officeart/2005/8/layout/chevron1"/>
+    <dgm:cxn modelId="{CFAFFC5B-C29D-7F42-9806-821B088A0E27}" type="presOf" srcId="{8A78E595-CDFB-3341-A222-8B369B1554AE}" destId="{322144B1-8D2F-5B45-8752-58DB94EF7F50}" srcOrd="0" destOrd="1" presId="urn:microsoft.com/office/officeart/2005/8/layout/chevron1"/>
     <dgm:cxn modelId="{8B888FB8-905C-E740-AAE1-F9E54854F024}" type="presOf" srcId="{042B0C7C-AA24-A749-A601-583C4D1D3EA6}" destId="{59B5453F-97FC-0B4C-9695-98A8E2B21AAF}" srcOrd="0" destOrd="0" presId="urn:microsoft.com/office/officeart/2005/8/layout/chevron1"/>
     <dgm:cxn modelId="{F2673466-810A-1141-BB09-9F7ACC356AB3}" type="presOf" srcId="{DAC3D9A4-05B7-1A47-BF40-ED855C2E640E}" destId="{7417B884-C4E3-E849-9845-9AB52B081969}" srcOrd="0" destOrd="0" presId="urn:microsoft.com/office/officeart/2005/8/layout/chevron1"/>
     <dgm:cxn modelId="{75294172-67DB-5348-94C3-1E2F678F0F4D}" srcId="{DAC3D9A4-05B7-1A47-BF40-ED855C2E640E}" destId="{089D47E2-E971-384D-9BA5-3E4B02440F52}" srcOrd="0" destOrd="0" parTransId="{B4EB64F1-40E0-0441-8824-C5DDEB044B88}" sibTransId="{907E80FB-F8C5-C14C-9463-9B0B49BD2D8C}"/>
-    <dgm:cxn modelId="{494E9529-DD8F-E349-84C6-569A6250C8BF}" type="presOf" srcId="{961FBA8A-F9A7-404F-BC64-09C4736222B5}" destId="{322144B1-8D2F-5B45-8752-58DB94EF7F50}" srcOrd="0" destOrd="1" presId="urn:microsoft.com/office/officeart/2005/8/layout/chevron1"/>
     <dgm:cxn modelId="{ABCA88DC-CC42-424A-85CE-DD83D3088638}" type="presOf" srcId="{089D47E2-E971-384D-9BA5-3E4B02440F52}" destId="{322144B1-8D2F-5B45-8752-58DB94EF7F50}" srcOrd="0" destOrd="0" presId="urn:microsoft.com/office/officeart/2005/8/layout/chevron1"/>
     <dgm:cxn modelId="{D8D948BA-D35D-8F47-9825-3B151212E099}" type="presOf" srcId="{DA5571A6-88A4-8A4A-B399-CF84E1E708A2}" destId="{8E43702B-9076-FE45-A754-21E97EC09D78}" srcOrd="0" destOrd="0" presId="urn:microsoft.com/office/officeart/2005/8/layout/chevron1"/>
-    <dgm:cxn modelId="{5D0F3A19-BE5C-2B46-BB28-A91F5C25E2DA}" srcId="{DAC3D9A4-05B7-1A47-BF40-ED855C2E640E}" destId="{961FBA8A-F9A7-404F-BC64-09C4736222B5}" srcOrd="1" destOrd="0" parTransId="{708D4071-A965-FA4B-8018-E166DB0D11A7}" sibTransId="{90E48166-CDA5-D34B-AD53-47CD2E086E56}"/>
     <dgm:cxn modelId="{C70E3EC7-11A3-FB47-91EE-79596735D019}" type="presParOf" srcId="{59B5453F-97FC-0B4C-9695-98A8E2B21AAF}" destId="{C79C16DF-FC3B-8F46-96B0-DC22BAECD033}" srcOrd="0" destOrd="0" presId="urn:microsoft.com/office/officeart/2005/8/layout/chevron1"/>
     <dgm:cxn modelId="{168912BB-CCCB-0E4F-B7E5-0019B6404C2D}" type="presParOf" srcId="{C79C16DF-FC3B-8F46-96B0-DC22BAECD033}" destId="{7417B884-C4E3-E849-9845-9AB52B081969}" srcOrd="0" destOrd="0" presId="urn:microsoft.com/office/officeart/2005/8/layout/chevron1"/>
     <dgm:cxn modelId="{BB3E3D19-010C-D449-A41A-2BDAF917CD5E}" type="presParOf" srcId="{C79C16DF-FC3B-8F46-96B0-DC22BAECD033}" destId="{322144B1-8D2F-5B45-8752-58DB94EF7F50}" srcOrd="1" destOrd="0" presId="urn:microsoft.com/office/officeart/2005/8/layout/chevron1"/>
@@ -4093,7 +4061,7 @@
         <a:p>
           <a:r>
             <a:rPr lang="en-US" dirty="0" smtClean="0"/>
-            <a:t>Global Indicators</a:t>
+            <a:t>Indicators</a:t>
           </a:r>
           <a:endParaRPr lang="en-US" dirty="0"/>
         </a:p>
@@ -5109,7 +5077,7 @@
       </dsp:nvSpPr>
       <dsp:spPr>
         <a:xfrm>
-          <a:off x="5656" y="1249520"/>
+          <a:off x="5656" y="1404489"/>
           <a:ext cx="2849562" cy="1026000"/>
         </a:xfrm>
         <a:prstGeom prst="chevron">
@@ -5192,7 +5160,7 @@
         </a:p>
       </dsp:txBody>
       <dsp:txXfrm>
-        <a:off x="518656" y="1249520"/>
+        <a:off x="518656" y="1404489"/>
         <a:ext cx="1823562" cy="1026000"/>
       </dsp:txXfrm>
     </dsp:sp>
@@ -5203,8 +5171,8 @@
       </dsp:nvSpPr>
       <dsp:spPr>
         <a:xfrm>
-          <a:off x="5656" y="2403770"/>
-          <a:ext cx="2279649" cy="876375"/>
+          <a:off x="5656" y="2558739"/>
+          <a:ext cx="2279649" cy="566437"/>
         </a:xfrm>
         <a:prstGeom prst="rect">
           <a:avLst/>
@@ -5266,33 +5234,14 @@
           </a:pPr>
           <a:r>
             <a:rPr lang="en-US" sz="1900" kern="1200" dirty="0" smtClean="0"/>
-            <a:t>Instagram</a:t>
-          </a:r>
-          <a:endParaRPr lang="en-US" sz="1900" kern="1200" dirty="0"/>
-        </a:p>
-        <a:p>
-          <a:pPr marL="171450" lvl="1" indent="-171450" algn="l" defTabSz="844550">
-            <a:lnSpc>
-              <a:spcPct val="90000"/>
-            </a:lnSpc>
-            <a:spcBef>
-              <a:spcPct val="0"/>
-            </a:spcBef>
-            <a:spcAft>
-              <a:spcPct val="15000"/>
-            </a:spcAft>
-            <a:buChar char="•"/>
-          </a:pPr>
-          <a:r>
-            <a:rPr lang="en-US" sz="1900" kern="1200" dirty="0" smtClean="0"/>
             <a:t>Tumblr</a:t>
           </a:r>
           <a:endParaRPr lang="en-US" sz="1900" kern="1200" dirty="0"/>
         </a:p>
       </dsp:txBody>
       <dsp:txXfrm>
-        <a:off x="5656" y="2403770"/>
-        <a:ext cx="2279649" cy="876375"/>
+        <a:off x="5656" y="2558739"/>
+        <a:ext cx="2279649" cy="566437"/>
       </dsp:txXfrm>
     </dsp:sp>
     <dsp:sp modelId="{3C099A4E-720E-FF4D-A1A9-F98A0077FD0D}">
@@ -5302,7 +5251,7 @@
       </dsp:nvSpPr>
       <dsp:spPr>
         <a:xfrm>
-          <a:off x="2639218" y="1249520"/>
+          <a:off x="2639218" y="1404489"/>
           <a:ext cx="2849562" cy="1026000"/>
         </a:xfrm>
         <a:prstGeom prst="chevron">
@@ -5385,7 +5334,7 @@
         </a:p>
       </dsp:txBody>
       <dsp:txXfrm>
-        <a:off x="3152218" y="1249520"/>
+        <a:off x="3152218" y="1404489"/>
         <a:ext cx="1823562" cy="1026000"/>
       </dsp:txXfrm>
     </dsp:sp>
@@ -5396,7 +5345,7 @@
       </dsp:nvSpPr>
       <dsp:spPr>
         <a:xfrm>
-          <a:off x="5272781" y="1249520"/>
+          <a:off x="5272781" y="1404489"/>
           <a:ext cx="2849562" cy="1026000"/>
         </a:xfrm>
         <a:prstGeom prst="chevron">
@@ -5479,7 +5428,7 @@
         </a:p>
       </dsp:txBody>
       <dsp:txXfrm>
-        <a:off x="5785781" y="1249520"/>
+        <a:off x="5785781" y="1404489"/>
         <a:ext cx="1823562" cy="1026000"/>
       </dsp:txXfrm>
     </dsp:sp>
@@ -6862,7 +6811,7 @@
           </a:pPr>
           <a:r>
             <a:rPr lang="en-US" sz="1600" kern="1200" dirty="0" smtClean="0"/>
-            <a:t>Global Indicators</a:t>
+            <a:t>Indicators</a:t>
           </a:r>
           <a:endParaRPr lang="en-US" sz="1600" kern="1200" dirty="0"/>
         </a:p>
@@ -17550,7 +17499,7 @@
         <p:spPr/>
         <p:txBody>
           <a:bodyPr>
-            <a:normAutofit/>
+            <a:normAutofit fontScale="92500" lnSpcReduction="20000"/>
           </a:bodyPr>
           <a:lstStyle/>
           <a:p>
@@ -17561,9 +17510,50 @@
           </a:p>
           <a:p>
             <a:pPr lvl="1"/>
+            <a:endParaRPr lang="en-US" sz="3400" dirty="0"/>
+          </a:p>
+          <a:p>
+            <a:r>
+              <a:rPr lang="en-US" sz="3600" dirty="0" smtClean="0"/>
+              <a:t>Two steps:</a:t>
+            </a:r>
+          </a:p>
+          <a:p>
+            <a:pPr lvl="1"/>
             <a:r>
               <a:rPr lang="en-US" sz="3400" dirty="0" smtClean="0"/>
-              <a:t> How does perception varies by characteristics of the individuals, such as gender, ethnicity, age, or education?</a:t>
+              <a:t>1) Perception by characteristics of the individuals (</a:t>
+            </a:r>
+            <a:r>
+              <a:rPr lang="en-US" sz="3400" dirty="0"/>
+              <a:t>gender, ethnicity, age, </a:t>
+            </a:r>
+            <a:r>
+              <a:rPr lang="en-US" sz="3400" dirty="0" smtClean="0"/>
+              <a:t>others) </a:t>
+            </a:r>
+            <a:r>
+              <a:rPr lang="en-US" sz="3400" i="1" dirty="0" smtClean="0"/>
+              <a:t>vs </a:t>
+            </a:r>
+            <a:r>
+              <a:rPr lang="en-US" sz="3400" dirty="0" smtClean="0"/>
+              <a:t>data. </a:t>
+            </a:r>
+          </a:p>
+          <a:p>
+            <a:pPr lvl="1"/>
+            <a:r>
+              <a:rPr lang="en-US" sz="3400" dirty="0" smtClean="0"/>
+              <a:t>2) How perception affects tourism </a:t>
+            </a:r>
+            <a:r>
+              <a:rPr lang="en-US" sz="3400" i="1" dirty="0" smtClean="0"/>
+              <a:t>vs </a:t>
+            </a:r>
+            <a:r>
+              <a:rPr lang="en-US" sz="3400" dirty="0" smtClean="0"/>
+              <a:t>data. Perception and decisions by characteristics of the individuals.</a:t>
             </a:r>
             <a:endParaRPr lang="en-US" sz="3400" dirty="0"/>
           </a:p>
@@ -17628,7 +17618,7 @@
           <a:p>
             <a:r>
               <a:rPr lang="en-US" dirty="0" smtClean="0"/>
-              <a:t>Data</a:t>
+              <a:t>Data for Perception</a:t>
             </a:r>
             <a:endParaRPr lang="en-US" dirty="0"/>
           </a:p>
@@ -17641,7 +17631,7 @@
           <p:nvPr>
             <p:extLst>
               <p:ext uri="{D42A27DB-BD31-4B8C-83A1-F6EECF244321}">
-                <p14:modId xmlns:p14="http://schemas.microsoft.com/office/powerpoint/2010/main" val="2137393948"/>
+                <p14:modId xmlns:p14="http://schemas.microsoft.com/office/powerpoint/2010/main" val="1553862784"/>
               </p:ext>
             </p:extLst>
           </p:nvPr>
@@ -17715,29 +17705,6 @@
           <a:chExt cx="0" cy="0"/>
         </a:xfrm>
       </p:grpSpPr>
-      <p:sp>
-        <p:nvSpPr>
-          <p:cNvPr id="2" name="Title 1"/>
-          <p:cNvSpPr>
-            <a:spLocks noGrp="1"/>
-          </p:cNvSpPr>
-          <p:nvPr>
-            <p:ph type="title"/>
-          </p:nvPr>
-        </p:nvSpPr>
-        <p:spPr/>
-        <p:txBody>
-          <a:bodyPr/>
-          <a:lstStyle/>
-          <a:p>
-            <a:r>
-              <a:rPr lang="en-US" dirty="0" smtClean="0"/>
-              <a:t>Data</a:t>
-            </a:r>
-            <a:endParaRPr lang="en-US" dirty="0"/>
-          </a:p>
-        </p:txBody>
-      </p:sp>
       <p:graphicFrame>
         <p:nvGraphicFramePr>
           <p:cNvPr id="4" name="Diagram 3"/>
@@ -17745,13 +17712,13 @@
           <p:nvPr>
             <p:extLst>
               <p:ext uri="{D42A27DB-BD31-4B8C-83A1-F6EECF244321}">
-                <p14:modId xmlns:p14="http://schemas.microsoft.com/office/powerpoint/2010/main" val="1820155367"/>
+                <p14:modId xmlns:p14="http://schemas.microsoft.com/office/powerpoint/2010/main" val="1013928061"/>
               </p:ext>
             </p:extLst>
           </p:nvPr>
         </p:nvGraphicFramePr>
         <p:xfrm>
-          <a:off x="711200" y="365760"/>
+          <a:off x="1127483" y="532015"/>
           <a:ext cx="9296400" cy="6111240"/>
         </p:xfrm>
         <a:graphic>
@@ -17760,6 +17727,34 @@
           </a:graphicData>
         </a:graphic>
       </p:graphicFrame>
+      <p:sp>
+        <p:nvSpPr>
+          <p:cNvPr id="5" name="Title 4"/>
+          <p:cNvSpPr>
+            <a:spLocks noGrp="1"/>
+          </p:cNvSpPr>
+          <p:nvPr>
+            <p:ph type="title"/>
+          </p:nvPr>
+        </p:nvSpPr>
+        <p:spPr>
+          <a:xfrm>
+            <a:off x="1127483" y="0"/>
+            <a:ext cx="9692640" cy="1325562"/>
+          </a:xfrm>
+        </p:spPr>
+        <p:txBody>
+          <a:bodyPr/>
+          <a:lstStyle/>
+          <a:p>
+            <a:r>
+              <a:rPr lang="en-US" dirty="0" smtClean="0"/>
+              <a:t>Other Data</a:t>
+            </a:r>
+            <a:endParaRPr lang="en-US" dirty="0"/>
+          </a:p>
+        </p:txBody>
+      </p:sp>
     </p:spTree>
     <p:extLst>
       <p:ext uri="{BB962C8B-B14F-4D97-AF65-F5344CB8AC3E}">
@@ -17920,7 +17915,7 @@
         <p:spPr/>
         <p:txBody>
           <a:bodyPr>
-            <a:normAutofit/>
+            <a:normAutofit fontScale="92500" lnSpcReduction="10000"/>
           </a:bodyPr>
           <a:lstStyle/>
           <a:p>
@@ -17937,16 +17932,6 @@
           </a:p>
           <a:p>
             <a:r>
-              <a:rPr lang="en-US" sz="2400" dirty="0"/>
-              <a:t>Does the perception overreacts in the short term</a:t>
-            </a:r>
-            <a:r>
-              <a:rPr lang="en-US" sz="2400" dirty="0" smtClean="0"/>
-              <a:t>?</a:t>
-            </a:r>
-          </a:p>
-          <a:p>
-            <a:r>
               <a:rPr lang="en-US" sz="2400" dirty="0" smtClean="0"/>
               <a:t>Is perception in newspapers aligned with perception in social networks?</a:t>
             </a:r>
@@ -17954,9 +17939,32 @@
           <a:p>
             <a:r>
               <a:rPr lang="en-US" sz="2400" dirty="0" smtClean="0"/>
-              <a:t>Is perception more important than the facts?</a:t>
+              <a:t>What is the lag between change in ”facts” and change in perception?</a:t>
             </a:r>
-            <a:endParaRPr lang="en-US" sz="2400" dirty="0"/>
+          </a:p>
+          <a:p>
+            <a:r>
+              <a:rPr lang="en-US" sz="2400" dirty="0" smtClean="0"/>
+              <a:t>What is the elasticity of perception of crime to crime?</a:t>
+            </a:r>
+          </a:p>
+          <a:p>
+            <a:r>
+              <a:rPr lang="en-US" sz="2400" dirty="0"/>
+              <a:t>Is perception more important </a:t>
+            </a:r>
+            <a:r>
+              <a:rPr lang="en-US" sz="2400" dirty="0" smtClean="0"/>
+              <a:t>than </a:t>
+            </a:r>
+            <a:r>
+              <a:rPr lang="en-US" sz="2400" dirty="0"/>
+              <a:t>facts to explain tourist’s </a:t>
+            </a:r>
+            <a:r>
+              <a:rPr lang="en-US" sz="2400" dirty="0" smtClean="0"/>
+              <a:t>decisions?</a:t>
+            </a:r>
           </a:p>
         </p:txBody>
       </p:sp>
